--- a/Projekt_DL/prezentacja_DL.pptx
+++ b/Projekt_DL/prezentacja_DL.pptx
@@ -13,8 +13,9 @@
     <p:sldId id="274" r:id="rId7"/>
     <p:sldId id="278" r:id="rId8"/>
     <p:sldId id="277" r:id="rId9"/>
-    <p:sldId id="275" r:id="rId10"/>
-    <p:sldId id="276" r:id="rId11"/>
+    <p:sldId id="280" r:id="rId10"/>
+    <p:sldId id="275" r:id="rId11"/>
+    <p:sldId id="276" r:id="rId12"/>
   </p:sldIdLst>
   <p:sldSz cx="12192000" cy="6858000"/>
   <p:notesSz cx="6858000" cy="9144000"/>
@@ -352,7 +353,7 @@
           <a:p>
             <a:fld id="{F0863A89-D3A8-4D13-943C-1BFC5D2ED7BC}" type="datetimeFigureOut">
               <a:rPr lang="pl-PL" smtClean="0"/>
-              <a:t>02.04.2022</a:t>
+              <a:t>03.04.2022</a:t>
             </a:fld>
             <a:endParaRPr lang="pl-PL"/>
           </a:p>
@@ -550,7 +551,7 @@
           <a:p>
             <a:fld id="{F0863A89-D3A8-4D13-943C-1BFC5D2ED7BC}" type="datetimeFigureOut">
               <a:rPr lang="pl-PL" smtClean="0"/>
-              <a:t>02.04.2022</a:t>
+              <a:t>03.04.2022</a:t>
             </a:fld>
             <a:endParaRPr lang="pl-PL"/>
           </a:p>
@@ -758,7 +759,7 @@
           <a:p>
             <a:fld id="{F0863A89-D3A8-4D13-943C-1BFC5D2ED7BC}" type="datetimeFigureOut">
               <a:rPr lang="pl-PL" smtClean="0"/>
-              <a:t>02.04.2022</a:t>
+              <a:t>03.04.2022</a:t>
             </a:fld>
             <a:endParaRPr lang="pl-PL"/>
           </a:p>
@@ -956,7 +957,7 @@
           <a:p>
             <a:fld id="{F0863A89-D3A8-4D13-943C-1BFC5D2ED7BC}" type="datetimeFigureOut">
               <a:rPr lang="pl-PL" smtClean="0"/>
-              <a:t>02.04.2022</a:t>
+              <a:t>03.04.2022</a:t>
             </a:fld>
             <a:endParaRPr lang="pl-PL"/>
           </a:p>
@@ -1231,7 +1232,7 @@
           <a:p>
             <a:fld id="{F0863A89-D3A8-4D13-943C-1BFC5D2ED7BC}" type="datetimeFigureOut">
               <a:rPr lang="pl-PL" smtClean="0"/>
-              <a:t>02.04.2022</a:t>
+              <a:t>03.04.2022</a:t>
             </a:fld>
             <a:endParaRPr lang="pl-PL"/>
           </a:p>
@@ -1496,7 +1497,7 @@
           <a:p>
             <a:fld id="{F0863A89-D3A8-4D13-943C-1BFC5D2ED7BC}" type="datetimeFigureOut">
               <a:rPr lang="pl-PL" smtClean="0"/>
-              <a:t>02.04.2022</a:t>
+              <a:t>03.04.2022</a:t>
             </a:fld>
             <a:endParaRPr lang="pl-PL"/>
           </a:p>
@@ -1908,7 +1909,7 @@
           <a:p>
             <a:fld id="{F0863A89-D3A8-4D13-943C-1BFC5D2ED7BC}" type="datetimeFigureOut">
               <a:rPr lang="pl-PL" smtClean="0"/>
-              <a:t>02.04.2022</a:t>
+              <a:t>03.04.2022</a:t>
             </a:fld>
             <a:endParaRPr lang="pl-PL"/>
           </a:p>
@@ -2049,7 +2050,7 @@
           <a:p>
             <a:fld id="{F0863A89-D3A8-4D13-943C-1BFC5D2ED7BC}" type="datetimeFigureOut">
               <a:rPr lang="pl-PL" smtClean="0"/>
-              <a:t>02.04.2022</a:t>
+              <a:t>03.04.2022</a:t>
             </a:fld>
             <a:endParaRPr lang="pl-PL"/>
           </a:p>
@@ -2162,7 +2163,7 @@
           <a:p>
             <a:fld id="{F0863A89-D3A8-4D13-943C-1BFC5D2ED7BC}" type="datetimeFigureOut">
               <a:rPr lang="pl-PL" smtClean="0"/>
-              <a:t>02.04.2022</a:t>
+              <a:t>03.04.2022</a:t>
             </a:fld>
             <a:endParaRPr lang="pl-PL"/>
           </a:p>
@@ -2473,7 +2474,7 @@
           <a:p>
             <a:fld id="{F0863A89-D3A8-4D13-943C-1BFC5D2ED7BC}" type="datetimeFigureOut">
               <a:rPr lang="pl-PL" smtClean="0"/>
-              <a:t>02.04.2022</a:t>
+              <a:t>03.04.2022</a:t>
             </a:fld>
             <a:endParaRPr lang="pl-PL"/>
           </a:p>
@@ -2761,7 +2762,7 @@
           <a:p>
             <a:fld id="{F0863A89-D3A8-4D13-943C-1BFC5D2ED7BC}" type="datetimeFigureOut">
               <a:rPr lang="pl-PL" smtClean="0"/>
-              <a:t>02.04.2022</a:t>
+              <a:t>03.04.2022</a:t>
             </a:fld>
             <a:endParaRPr lang="pl-PL"/>
           </a:p>
@@ -3002,7 +3003,7 @@
           <a:p>
             <a:fld id="{F0863A89-D3A8-4D13-943C-1BFC5D2ED7BC}" type="datetimeFigureOut">
               <a:rPr lang="pl-PL" smtClean="0"/>
-              <a:t>02.04.2022</a:t>
+              <a:t>03.04.2022</a:t>
             </a:fld>
             <a:endParaRPr lang="pl-PL"/>
           </a:p>
@@ -3877,6 +3878,136 @@
           <a:p>
             <a:r>
               <a:rPr lang="pl-PL" dirty="0"/>
+              <a:t>różny rozmiar zdjęć</a:t>
+            </a:r>
+          </a:p>
+          <a:p>
+            <a:r>
+              <a:rPr lang="pl-PL" dirty="0"/>
+              <a:t>niewystandaryzowane zdjęcia</a:t>
+            </a:r>
+          </a:p>
+          <a:p>
+            <a:r>
+              <a:rPr lang="pl-PL" dirty="0"/>
+              <a:t>moc obliczeniowa komputerów</a:t>
+            </a:r>
+          </a:p>
+          <a:p>
+            <a:r>
+              <a:rPr lang="pl-PL" dirty="0"/>
+              <a:t>zmienne warunki oświetlenia w trakcie wykonywania zdjęć do predykcji</a:t>
+            </a:r>
+          </a:p>
+        </p:txBody>
+      </p:sp>
+      <p:sp>
+        <p:nvSpPr>
+          <p:cNvPr id="4" name="Tytuł 1">
+            <a:extLst>
+              <a:ext uri="{FF2B5EF4-FFF2-40B4-BE49-F238E27FC236}">
+                <a16:creationId xmlns:a16="http://schemas.microsoft.com/office/drawing/2014/main" id="{72B662A1-3033-407E-A6EB-2FC7657A7D52}"/>
+              </a:ext>
+            </a:extLst>
+          </p:cNvPr>
+          <p:cNvSpPr txBox="1">
+            <a:spLocks/>
+          </p:cNvSpPr>
+          <p:nvPr/>
+        </p:nvSpPr>
+        <p:spPr>
+          <a:xfrm>
+            <a:off x="921161" y="310051"/>
+            <a:ext cx="9921853" cy="877824"/>
+          </a:xfrm>
+          <a:prstGeom prst="rect">
+            <a:avLst/>
+          </a:prstGeom>
+        </p:spPr>
+        <p:txBody>
+          <a:bodyPr vert="horz" lIns="91440" tIns="45720" rIns="91440" bIns="45720" rtlCol="0" anchor="ctr">
+            <a:normAutofit/>
+          </a:bodyPr>
+          <a:lstStyle>
+            <a:lvl1pPr algn="l" defTabSz="914400" rtl="0" eaLnBrk="1" latinLnBrk="0" hangingPunct="1">
+              <a:lnSpc>
+                <a:spcPct val="90000"/>
+              </a:lnSpc>
+              <a:spcBef>
+                <a:spcPct val="0"/>
+              </a:spcBef>
+              <a:buNone/>
+              <a:defRPr sz="4400" kern="1200">
+                <a:solidFill>
+                  <a:schemeClr val="tx1"/>
+                </a:solidFill>
+                <a:latin typeface="+mj-lt"/>
+                <a:ea typeface="+mj-ea"/>
+                <a:cs typeface="+mj-cs"/>
+              </a:defRPr>
+            </a:lvl1pPr>
+          </a:lstStyle>
+          <a:p>
+            <a:r>
+              <a:rPr lang="pl-PL" sz="3600" b="1" dirty="0"/>
+              <a:t>Ograniczenia</a:t>
+            </a:r>
+          </a:p>
+        </p:txBody>
+      </p:sp>
+    </p:spTree>
+    <p:extLst>
+      <p:ext uri="{BB962C8B-B14F-4D97-AF65-F5344CB8AC3E}">
+        <p14:creationId xmlns:p14="http://schemas.microsoft.com/office/powerpoint/2010/main" val="644257380"/>
+      </p:ext>
+    </p:extLst>
+  </p:cSld>
+  <p:clrMapOvr>
+    <a:masterClrMapping/>
+  </p:clrMapOvr>
+</p:sld>
+</file>
+
+<file path=ppt/slides/slide11.xml><?xml version="1.0" encoding="utf-8"?>
+<p:sld xmlns:a="http://schemas.openxmlformats.org/drawingml/2006/main" xmlns:r="http://schemas.openxmlformats.org/officeDocument/2006/relationships" xmlns:p="http://schemas.openxmlformats.org/presentationml/2006/main">
+  <p:cSld>
+    <p:spTree>
+      <p:nvGrpSpPr>
+        <p:cNvPr id="1" name=""/>
+        <p:cNvGrpSpPr/>
+        <p:nvPr/>
+      </p:nvGrpSpPr>
+      <p:grpSpPr>
+        <a:xfrm>
+          <a:off x="0" y="0"/>
+          <a:ext cx="0" cy="0"/>
+          <a:chOff x="0" y="0"/>
+          <a:chExt cx="0" cy="0"/>
+        </a:xfrm>
+      </p:grpSpPr>
+      <p:sp>
+        <p:nvSpPr>
+          <p:cNvPr id="3" name="Symbol zastępczy zawartości 2">
+            <a:extLst>
+              <a:ext uri="{FF2B5EF4-FFF2-40B4-BE49-F238E27FC236}">
+                <a16:creationId xmlns:a16="http://schemas.microsoft.com/office/drawing/2014/main" id="{07A0807F-3A19-4869-A313-BFD0F0E15652}"/>
+              </a:ext>
+            </a:extLst>
+          </p:cNvPr>
+          <p:cNvSpPr>
+            <a:spLocks noGrp="1"/>
+          </p:cNvSpPr>
+          <p:nvPr>
+            <p:ph idx="1"/>
+          </p:nvPr>
+        </p:nvSpPr>
+        <p:spPr/>
+        <p:txBody>
+          <a:bodyPr/>
+          <a:lstStyle/>
+          <a:p>
+            <a:r>
+              <a:rPr lang="pl-PL" dirty="0"/>
               <a:t>standaryzacja zdjęć (ułożenie tacy, oświetlenie, ilość jabłek, rozmiar zdjęcia)</a:t>
             </a:r>
           </a:p>
@@ -3889,7 +4020,13 @@
           <a:p>
             <a:r>
               <a:rPr lang="pl-PL" dirty="0"/>
-              <a:t>budowa aplikacji real </a:t>
+              <a:t>detekcja czy to na pewno jabłko</a:t>
+            </a:r>
+          </a:p>
+          <a:p>
+            <a:r>
+              <a:rPr lang="pl-PL" dirty="0"/>
+              <a:t>rozwinięcie aplikacji real </a:t>
             </a:r>
             <a:r>
               <a:rPr lang="pl-PL" dirty="0" err="1"/>
@@ -3898,16 +4035,10 @@
             <a:endParaRPr lang="pl-PL" dirty="0"/>
           </a:p>
           <a:p>
-            <a:r>
-              <a:rPr lang="pl-PL" dirty="0"/>
-              <a:t>detekcja czy to na pewno jabłko</a:t>
-            </a:r>
-          </a:p>
-          <a:p>
-            <a:r>
-              <a:rPr lang="pl-PL" dirty="0"/>
-              <a:t>…</a:t>
-            </a:r>
+            <a:pPr marL="0" indent="0">
+              <a:buNone/>
+            </a:pPr>
+            <a:endParaRPr lang="pl-PL" dirty="0"/>
           </a:p>
         </p:txBody>
       </p:sp>
@@ -4448,7 +4579,7 @@
         <p:spPr>
           <a:xfrm>
             <a:off x="4866968" y="1970385"/>
-            <a:ext cx="5925358" cy="2308324"/>
+            <a:ext cx="5925358" cy="2585323"/>
           </a:xfrm>
           <a:prstGeom prst="rect">
             <a:avLst/>
@@ -4499,6 +4630,9 @@
             <a:endParaRPr lang="pl-PL" dirty="0"/>
           </a:p>
           <a:p>
+            <a:endParaRPr lang="pl-PL" dirty="0"/>
+          </a:p>
+          <a:p>
             <a:r>
               <a:rPr lang="pl-PL" dirty="0"/>
               <a:t>Transfer Learning:</a:t>
@@ -4514,7 +4648,7 @@
           <a:p>
             <a:r>
               <a:rPr lang="pl-PL" dirty="0" err="1"/>
-              <a:t>EficientNet</a:t>
+              <a:t>EfficientNet</a:t>
             </a:r>
             <a:endParaRPr lang="pl-PL" dirty="0"/>
           </a:p>
@@ -4552,6 +4686,129 @@
               <a:rPr lang="pl-PL" dirty="0"/>
               <a:t>Modyfikacja zestawu danych:</a:t>
             </a:r>
+          </a:p>
+        </p:txBody>
+      </p:sp>
+      <p:sp>
+        <p:nvSpPr>
+          <p:cNvPr id="9" name="pole tekstowe 8">
+            <a:extLst>
+              <a:ext uri="{FF2B5EF4-FFF2-40B4-BE49-F238E27FC236}">
+                <a16:creationId xmlns:a16="http://schemas.microsoft.com/office/drawing/2014/main" id="{4B9753E4-28F7-4C21-A25A-014E7BD9F75E}"/>
+              </a:ext>
+            </a:extLst>
+          </p:cNvPr>
+          <p:cNvSpPr txBox="1"/>
+          <p:nvPr/>
+        </p:nvSpPr>
+        <p:spPr>
+          <a:xfrm>
+            <a:off x="2731402" y="4029481"/>
+            <a:ext cx="1144865" cy="369332"/>
+          </a:xfrm>
+          <a:prstGeom prst="rect">
+            <a:avLst/>
+          </a:prstGeom>
+          <a:noFill/>
+        </p:spPr>
+        <p:txBody>
+          <a:bodyPr wrap="none" rtlCol="0">
+            <a:spAutoFit/>
+          </a:bodyPr>
+          <a:lstStyle/>
+          <a:p>
+            <a:r>
+              <a:rPr lang="pl-PL" dirty="0"/>
+              <a:t>224 x 224 </a:t>
+            </a:r>
+          </a:p>
+        </p:txBody>
+      </p:sp>
+      <p:sp>
+        <p:nvSpPr>
+          <p:cNvPr id="10" name="pole tekstowe 9">
+            <a:extLst>
+              <a:ext uri="{FF2B5EF4-FFF2-40B4-BE49-F238E27FC236}">
+                <a16:creationId xmlns:a16="http://schemas.microsoft.com/office/drawing/2014/main" id="{6D360EC3-3360-46F0-8CF3-D39C651292AC}"/>
+              </a:ext>
+            </a:extLst>
+          </p:cNvPr>
+          <p:cNvSpPr txBox="1"/>
+          <p:nvPr/>
+        </p:nvSpPr>
+        <p:spPr>
+          <a:xfrm>
+            <a:off x="808845" y="3752482"/>
+            <a:ext cx="1091966" cy="923330"/>
+          </a:xfrm>
+          <a:prstGeom prst="rect">
+            <a:avLst/>
+          </a:prstGeom>
+          <a:noFill/>
+        </p:spPr>
+        <p:txBody>
+          <a:bodyPr wrap="none" rtlCol="0">
+            <a:spAutoFit/>
+          </a:bodyPr>
+          <a:lstStyle/>
+          <a:p>
+            <a:r>
+              <a:rPr lang="pl-PL" dirty="0"/>
+              <a:t>320 x 258</a:t>
+            </a:r>
+          </a:p>
+          <a:p>
+            <a:endParaRPr lang="pl-PL" dirty="0"/>
+          </a:p>
+          <a:p>
+            <a:r>
+              <a:rPr lang="pl-PL" dirty="0"/>
+              <a:t>480 x 322</a:t>
+            </a:r>
+          </a:p>
+        </p:txBody>
+      </p:sp>
+      <p:sp>
+        <p:nvSpPr>
+          <p:cNvPr id="11" name="Nawias klamrowy zamykający 10">
+            <a:extLst>
+              <a:ext uri="{FF2B5EF4-FFF2-40B4-BE49-F238E27FC236}">
+                <a16:creationId xmlns:a16="http://schemas.microsoft.com/office/drawing/2014/main" id="{B4F2032B-1748-4A1E-9C6B-A4F6650FD854}"/>
+              </a:ext>
+            </a:extLst>
+          </p:cNvPr>
+          <p:cNvSpPr/>
+          <p:nvPr/>
+        </p:nvSpPr>
+        <p:spPr>
+          <a:xfrm>
+            <a:off x="2194559" y="3662557"/>
+            <a:ext cx="454251" cy="1103180"/>
+          </a:xfrm>
+          <a:prstGeom prst="rightBrace">
+            <a:avLst/>
+          </a:prstGeom>
+        </p:spPr>
+        <p:style>
+          <a:lnRef idx="1">
+            <a:schemeClr val="accent1"/>
+          </a:lnRef>
+          <a:fillRef idx="0">
+            <a:schemeClr val="accent1"/>
+          </a:fillRef>
+          <a:effectRef idx="0">
+            <a:schemeClr val="accent1"/>
+          </a:effectRef>
+          <a:fontRef idx="minor">
+            <a:schemeClr val="tx1"/>
+          </a:fontRef>
+        </p:style>
+        <p:txBody>
+          <a:bodyPr rtlCol="0" anchor="ctr"/>
+          <a:lstStyle/>
+          <a:p>
+            <a:pPr algn="ctr"/>
+            <a:endParaRPr lang="pl-PL"/>
           </a:p>
         </p:txBody>
       </p:sp>
@@ -8327,8 +8584,8 @@
           </a:p>
         </p:txBody>
       </p:sp>
-      <mc:AlternateContent xmlns:mc="http://schemas.openxmlformats.org/markup-compatibility/2006">
-        <mc:Choice xmlns:p14="http://schemas.microsoft.com/office/powerpoint/2010/main" Requires="p14">
+      <mc:AlternateContent xmlns:mc="http://schemas.openxmlformats.org/markup-compatibility/2006" xmlns:p14="http://schemas.microsoft.com/office/powerpoint/2010/main">
+        <mc:Choice Requires="p14">
           <p:contentPart p14:bwMode="auto" r:id="rId4">
             <p14:nvContentPartPr>
               <p14:cNvPr id="11" name="Pismo odręczne 10">
@@ -8347,7 +8604,7 @@
             </p14:xfrm>
           </p:contentPart>
         </mc:Choice>
-        <mc:Fallback>
+        <mc:Fallback xmlns="">
           <p:pic>
             <p:nvPicPr>
               <p:cNvPr id="11" name="Pismo odręczne 10">
@@ -8378,8 +8635,8 @@
           </p:pic>
         </mc:Fallback>
       </mc:AlternateContent>
-      <mc:AlternateContent xmlns:mc="http://schemas.openxmlformats.org/markup-compatibility/2006">
-        <mc:Choice xmlns:p14="http://schemas.microsoft.com/office/powerpoint/2010/main" Requires="p14">
+      <mc:AlternateContent xmlns:mc="http://schemas.openxmlformats.org/markup-compatibility/2006" xmlns:p14="http://schemas.microsoft.com/office/powerpoint/2010/main">
+        <mc:Choice Requires="p14">
           <p:contentPart p14:bwMode="auto" r:id="rId6">
             <p14:nvContentPartPr>
               <p14:cNvPr id="13" name="Pismo odręczne 12">
@@ -8398,7 +8655,7 @@
             </p14:xfrm>
           </p:contentPart>
         </mc:Choice>
-        <mc:Fallback>
+        <mc:Fallback xmlns="">
           <p:pic>
             <p:nvPicPr>
               <p:cNvPr id="13" name="Pismo odręczne 12">
@@ -8429,8 +8686,8 @@
           </p:pic>
         </mc:Fallback>
       </mc:AlternateContent>
-      <mc:AlternateContent xmlns:mc="http://schemas.openxmlformats.org/markup-compatibility/2006">
-        <mc:Choice xmlns:p14="http://schemas.microsoft.com/office/powerpoint/2010/main" Requires="p14">
+      <mc:AlternateContent xmlns:mc="http://schemas.openxmlformats.org/markup-compatibility/2006" xmlns:p14="http://schemas.microsoft.com/office/powerpoint/2010/main">
+        <mc:Choice Requires="p14">
           <p:contentPart p14:bwMode="auto" r:id="rId8">
             <p14:nvContentPartPr>
               <p14:cNvPr id="14" name="Pismo odręczne 13">
@@ -8449,7 +8706,7 @@
             </p14:xfrm>
           </p:contentPart>
         </mc:Choice>
-        <mc:Fallback>
+        <mc:Fallback xmlns="">
           <p:pic>
             <p:nvPicPr>
               <p:cNvPr id="14" name="Pismo odręczne 13">
@@ -10472,6 +10729,60 @@
           </a:extLst>
         </p:spPr>
       </p:pic>
+      <p:sp>
+        <p:nvSpPr>
+          <p:cNvPr id="4" name="Tytuł 1">
+            <a:extLst>
+              <a:ext uri="{FF2B5EF4-FFF2-40B4-BE49-F238E27FC236}">
+                <a16:creationId xmlns:a16="http://schemas.microsoft.com/office/drawing/2014/main" id="{30333EAA-17D0-4CD1-9A05-583FE0308F79}"/>
+              </a:ext>
+            </a:extLst>
+          </p:cNvPr>
+          <p:cNvSpPr txBox="1">
+            <a:spLocks/>
+          </p:cNvSpPr>
+          <p:nvPr/>
+        </p:nvSpPr>
+        <p:spPr>
+          <a:xfrm>
+            <a:off x="838200" y="365125"/>
+            <a:ext cx="10515600" cy="1325563"/>
+          </a:xfrm>
+          <a:prstGeom prst="rect">
+            <a:avLst/>
+          </a:prstGeom>
+        </p:spPr>
+        <p:txBody>
+          <a:bodyPr vert="horz" lIns="91440" tIns="45720" rIns="91440" bIns="45720" rtlCol="0" anchor="ctr">
+            <a:normAutofit/>
+          </a:bodyPr>
+          <a:lstStyle>
+            <a:lvl1pPr algn="l" defTabSz="914400" rtl="0" eaLnBrk="1" latinLnBrk="0" hangingPunct="1">
+              <a:lnSpc>
+                <a:spcPct val="90000"/>
+              </a:lnSpc>
+              <a:spcBef>
+                <a:spcPct val="0"/>
+              </a:spcBef>
+              <a:buNone/>
+              <a:defRPr sz="4400" kern="1200">
+                <a:solidFill>
+                  <a:schemeClr val="tx1"/>
+                </a:solidFill>
+                <a:latin typeface="+mj-lt"/>
+                <a:ea typeface="+mj-ea"/>
+                <a:cs typeface="+mj-cs"/>
+              </a:defRPr>
+            </a:lvl1pPr>
+          </a:lstStyle>
+          <a:p>
+            <a:r>
+              <a:rPr lang="pl-PL" sz="3600" b="1" dirty="0"/>
+              <a:t>Aplikacja</a:t>
+            </a:r>
+          </a:p>
+        </p:txBody>
+      </p:sp>
     </p:spTree>
     <p:extLst>
       <p:ext uri="{BB962C8B-B14F-4D97-AF65-F5344CB8AC3E}">
@@ -10502,110 +10813,118 @@
           <a:chExt cx="0" cy="0"/>
         </a:xfrm>
       </p:grpSpPr>
-      <p:sp>
-        <p:nvSpPr>
-          <p:cNvPr id="3" name="Symbol zastępczy zawartości 2">
+      <p:pic>
+        <p:nvPicPr>
+          <p:cNvPr id="3" name="Obraz 2" descr="Obraz zawierający kilka&#10;&#10;Opis wygenerowany automatycznie">
             <a:extLst>
               <a:ext uri="{FF2B5EF4-FFF2-40B4-BE49-F238E27FC236}">
-                <a16:creationId xmlns:a16="http://schemas.microsoft.com/office/drawing/2014/main" id="{07A0807F-3A19-4869-A313-BFD0F0E15652}"/>
+                <a16:creationId xmlns:a16="http://schemas.microsoft.com/office/drawing/2014/main" id="{E9CE642F-0107-4E00-A036-6CF3861BB5EC}"/>
               </a:ext>
             </a:extLst>
           </p:cNvPr>
-          <p:cNvSpPr>
-            <a:spLocks noGrp="1"/>
-          </p:cNvSpPr>
-          <p:nvPr>
-            <p:ph idx="1"/>
-          </p:nvPr>
-        </p:nvSpPr>
-        <p:spPr/>
-        <p:txBody>
-          <a:bodyPr/>
-          <a:lstStyle/>
-          <a:p>
-            <a:r>
-              <a:rPr lang="pl-PL" dirty="0"/>
-              <a:t>różny rozmiar zdjęć</a:t>
-            </a:r>
-          </a:p>
-          <a:p>
-            <a:r>
-              <a:rPr lang="pl-PL" dirty="0"/>
-              <a:t>niewystandaryzowane zdjęcia</a:t>
-            </a:r>
-          </a:p>
-          <a:p>
-            <a:r>
-              <a:rPr lang="pl-PL" dirty="0"/>
-              <a:t>moc obliczeniowa komputerów</a:t>
-            </a:r>
-          </a:p>
-          <a:p>
-            <a:r>
-              <a:rPr lang="pl-PL" dirty="0"/>
-              <a:t>…</a:t>
-            </a:r>
-          </a:p>
-        </p:txBody>
-      </p:sp>
-      <p:sp>
-        <p:nvSpPr>
-          <p:cNvPr id="4" name="Tytuł 1">
-            <a:extLst>
-              <a:ext uri="{FF2B5EF4-FFF2-40B4-BE49-F238E27FC236}">
-                <a16:creationId xmlns:a16="http://schemas.microsoft.com/office/drawing/2014/main" id="{72B662A1-3033-407E-A6EB-2FC7657A7D52}"/>
-              </a:ext>
-            </a:extLst>
-          </p:cNvPr>
-          <p:cNvSpPr txBox="1">
-            <a:spLocks/>
-          </p:cNvSpPr>
+          <p:cNvPicPr>
+            <a:picLocks noChangeAspect="1"/>
+          </p:cNvPicPr>
           <p:nvPr/>
-        </p:nvSpPr>
+        </p:nvPicPr>
+        <p:blipFill>
+          <a:blip r:embed="rId2">
+            <a:extLst>
+              <a:ext uri="{28A0092B-C50C-407E-A947-70E740481C1C}">
+                <a14:useLocalDpi xmlns:a14="http://schemas.microsoft.com/office/drawing/2010/main" val="0"/>
+              </a:ext>
+            </a:extLst>
+          </a:blip>
+          <a:stretch>
+            <a:fillRect/>
+          </a:stretch>
+        </p:blipFill>
         <p:spPr>
           <a:xfrm>
-            <a:off x="921161" y="310051"/>
-            <a:ext cx="9921853" cy="877824"/>
+            <a:off x="0" y="219031"/>
+            <a:ext cx="6077423" cy="3083885"/>
           </a:xfrm>
           <a:prstGeom prst="rect">
             <a:avLst/>
           </a:prstGeom>
         </p:spPr>
-        <p:txBody>
-          <a:bodyPr vert="horz" lIns="91440" tIns="45720" rIns="91440" bIns="45720" rtlCol="0" anchor="ctr">
-            <a:normAutofit/>
-          </a:bodyPr>
-          <a:lstStyle>
-            <a:lvl1pPr algn="l" defTabSz="914400" rtl="0" eaLnBrk="1" latinLnBrk="0" hangingPunct="1">
-              <a:lnSpc>
-                <a:spcPct val="90000"/>
-              </a:lnSpc>
-              <a:spcBef>
-                <a:spcPct val="0"/>
-              </a:spcBef>
-              <a:buNone/>
-              <a:defRPr sz="4400" kern="1200">
-                <a:solidFill>
-                  <a:schemeClr val="tx1"/>
-                </a:solidFill>
-                <a:latin typeface="+mj-lt"/>
-                <a:ea typeface="+mj-ea"/>
-                <a:cs typeface="+mj-cs"/>
-              </a:defRPr>
-            </a:lvl1pPr>
-          </a:lstStyle>
-          <a:p>
-            <a:r>
-              <a:rPr lang="pl-PL" sz="3600" b="1" dirty="0"/>
-              <a:t>Ograniczenia</a:t>
-            </a:r>
-          </a:p>
-        </p:txBody>
-      </p:sp>
+      </p:pic>
+      <p:pic>
+        <p:nvPicPr>
+          <p:cNvPr id="5" name="Obraz 4" descr="Obraz zawierający owoce, plastikowy, różny, wyświetlane&#10;&#10;Opis wygenerowany automatycznie">
+            <a:extLst>
+              <a:ext uri="{FF2B5EF4-FFF2-40B4-BE49-F238E27FC236}">
+                <a16:creationId xmlns:a16="http://schemas.microsoft.com/office/drawing/2014/main" id="{DECCACAA-1A8E-4AA9-8EA5-5524EDBCBE37}"/>
+              </a:ext>
+            </a:extLst>
+          </p:cNvPr>
+          <p:cNvPicPr>
+            <a:picLocks noChangeAspect="1"/>
+          </p:cNvPicPr>
+          <p:nvPr/>
+        </p:nvPicPr>
+        <p:blipFill>
+          <a:blip r:embed="rId3">
+            <a:extLst>
+              <a:ext uri="{28A0092B-C50C-407E-A947-70E740481C1C}">
+                <a14:useLocalDpi xmlns:a14="http://schemas.microsoft.com/office/drawing/2010/main" val="0"/>
+              </a:ext>
+            </a:extLst>
+          </a:blip>
+          <a:stretch>
+            <a:fillRect/>
+          </a:stretch>
+        </p:blipFill>
+        <p:spPr>
+          <a:xfrm>
+            <a:off x="6077423" y="219031"/>
+            <a:ext cx="6096000" cy="3093312"/>
+          </a:xfrm>
+          <a:prstGeom prst="rect">
+            <a:avLst/>
+          </a:prstGeom>
+        </p:spPr>
+      </p:pic>
+      <p:pic>
+        <p:nvPicPr>
+          <p:cNvPr id="7" name="Obraz 6" descr="Obraz zawierający kilka&#10;&#10;Opis wygenerowany automatycznie">
+            <a:extLst>
+              <a:ext uri="{FF2B5EF4-FFF2-40B4-BE49-F238E27FC236}">
+                <a16:creationId xmlns:a16="http://schemas.microsoft.com/office/drawing/2014/main" id="{6336BAE9-48D8-48DE-8CCC-8421F5AF167E}"/>
+              </a:ext>
+            </a:extLst>
+          </p:cNvPr>
+          <p:cNvPicPr>
+            <a:picLocks noChangeAspect="1"/>
+          </p:cNvPicPr>
+          <p:nvPr/>
+        </p:nvPicPr>
+        <p:blipFill>
+          <a:blip r:embed="rId4">
+            <a:extLst>
+              <a:ext uri="{28A0092B-C50C-407E-A947-70E740481C1C}">
+                <a14:useLocalDpi xmlns:a14="http://schemas.microsoft.com/office/drawing/2010/main" val="0"/>
+              </a:ext>
+            </a:extLst>
+          </a:blip>
+          <a:stretch>
+            <a:fillRect/>
+          </a:stretch>
+        </p:blipFill>
+        <p:spPr>
+          <a:xfrm>
+            <a:off x="2965702" y="3429000"/>
+            <a:ext cx="6260595" cy="3176833"/>
+          </a:xfrm>
+          <a:prstGeom prst="rect">
+            <a:avLst/>
+          </a:prstGeom>
+        </p:spPr>
+      </p:pic>
     </p:spTree>
     <p:extLst>
       <p:ext uri="{BB962C8B-B14F-4D97-AF65-F5344CB8AC3E}">
-        <p14:creationId xmlns:p14="http://schemas.microsoft.com/office/powerpoint/2010/main" val="644257380"/>
+        <p14:creationId xmlns:p14="http://schemas.microsoft.com/office/powerpoint/2010/main" val="2754496045"/>
       </p:ext>
     </p:extLst>
   </p:cSld>
